--- a/images/survival-kit/shiny-custom-message.pptx
+++ b/images/survival-kit/shiny-custom-message.pptx
@@ -104,6 +104,11 @@
       </a:defRPr>
     </a:lvl9pPr>
   </p:defaultTextStyle>
+  <p:extLst>
+    <p:ext uri="{EFAFB233-063F-42B5-8137-9DF3F51BA10A}">
+      <p15:sldGuideLst xmlns:p15="http://schemas.microsoft.com/office/powerpoint/2012/main"/>
+    </p:ext>
+  </p:extLst>
 </p:presentation>
 </file>
 
@@ -256,7 +261,7 @@
           <a:p>
             <a:fld id="{2D86F69E-DCE3-214B-B912-15FE2800A92A}" type="datetimeFigureOut">
               <a:rPr lang="en-CH" smtClean="0"/>
-              <a:t>27.05.20</a:t>
+              <a:t>14.03.21</a:t>
             </a:fld>
             <a:endParaRPr lang="en-CH"/>
           </a:p>
@@ -456,7 +461,7 @@
           <a:p>
             <a:fld id="{2D86F69E-DCE3-214B-B912-15FE2800A92A}" type="datetimeFigureOut">
               <a:rPr lang="en-CH" smtClean="0"/>
-              <a:t>27.05.20</a:t>
+              <a:t>14.03.21</a:t>
             </a:fld>
             <a:endParaRPr lang="en-CH"/>
           </a:p>
@@ -666,7 +671,7 @@
           <a:p>
             <a:fld id="{2D86F69E-DCE3-214B-B912-15FE2800A92A}" type="datetimeFigureOut">
               <a:rPr lang="en-CH" smtClean="0"/>
-              <a:t>27.05.20</a:t>
+              <a:t>14.03.21</a:t>
             </a:fld>
             <a:endParaRPr lang="en-CH"/>
           </a:p>
@@ -866,7 +871,7 @@
           <a:p>
             <a:fld id="{2D86F69E-DCE3-214B-B912-15FE2800A92A}" type="datetimeFigureOut">
               <a:rPr lang="en-CH" smtClean="0"/>
-              <a:t>27.05.20</a:t>
+              <a:t>14.03.21</a:t>
             </a:fld>
             <a:endParaRPr lang="en-CH"/>
           </a:p>
@@ -1142,7 +1147,7 @@
           <a:p>
             <a:fld id="{2D86F69E-DCE3-214B-B912-15FE2800A92A}" type="datetimeFigureOut">
               <a:rPr lang="en-CH" smtClean="0"/>
-              <a:t>27.05.20</a:t>
+              <a:t>14.03.21</a:t>
             </a:fld>
             <a:endParaRPr lang="en-CH"/>
           </a:p>
@@ -1410,7 +1415,7 @@
           <a:p>
             <a:fld id="{2D86F69E-DCE3-214B-B912-15FE2800A92A}" type="datetimeFigureOut">
               <a:rPr lang="en-CH" smtClean="0"/>
-              <a:t>27.05.20</a:t>
+              <a:t>14.03.21</a:t>
             </a:fld>
             <a:endParaRPr lang="en-CH"/>
           </a:p>
@@ -1825,7 +1830,7 @@
           <a:p>
             <a:fld id="{2D86F69E-DCE3-214B-B912-15FE2800A92A}" type="datetimeFigureOut">
               <a:rPr lang="en-CH" smtClean="0"/>
-              <a:t>27.05.20</a:t>
+              <a:t>14.03.21</a:t>
             </a:fld>
             <a:endParaRPr lang="en-CH"/>
           </a:p>
@@ -1967,7 +1972,7 @@
           <a:p>
             <a:fld id="{2D86F69E-DCE3-214B-B912-15FE2800A92A}" type="datetimeFigureOut">
               <a:rPr lang="en-CH" smtClean="0"/>
-              <a:t>27.05.20</a:t>
+              <a:t>14.03.21</a:t>
             </a:fld>
             <a:endParaRPr lang="en-CH"/>
           </a:p>
@@ -2080,7 +2085,7 @@
           <a:p>
             <a:fld id="{2D86F69E-DCE3-214B-B912-15FE2800A92A}" type="datetimeFigureOut">
               <a:rPr lang="en-CH" smtClean="0"/>
-              <a:t>27.05.20</a:t>
+              <a:t>14.03.21</a:t>
             </a:fld>
             <a:endParaRPr lang="en-CH"/>
           </a:p>
@@ -2393,7 +2398,7 @@
           <a:p>
             <a:fld id="{2D86F69E-DCE3-214B-B912-15FE2800A92A}" type="datetimeFigureOut">
               <a:rPr lang="en-CH" smtClean="0"/>
-              <a:t>27.05.20</a:t>
+              <a:t>14.03.21</a:t>
             </a:fld>
             <a:endParaRPr lang="en-CH"/>
           </a:p>
@@ -2682,7 +2687,7 @@
           <a:p>
             <a:fld id="{2D86F69E-DCE3-214B-B912-15FE2800A92A}" type="datetimeFigureOut">
               <a:rPr lang="en-CH" smtClean="0"/>
-              <a:t>27.05.20</a:t>
+              <a:t>14.03.21</a:t>
             </a:fld>
             <a:endParaRPr lang="en-CH"/>
           </a:p>
@@ -2925,7 +2930,7 @@
           <a:p>
             <a:fld id="{2D86F69E-DCE3-214B-B912-15FE2800A92A}" type="datetimeFigureOut">
               <a:rPr lang="en-CH" smtClean="0"/>
-              <a:t>27.05.20</a:t>
+              <a:t>14.03.21</a:t>
             </a:fld>
             <a:endParaRPr lang="en-CH"/>
           </a:p>
@@ -3356,7 +3361,7 @@
         </p:nvSpPr>
         <p:spPr>
           <a:xfrm>
-            <a:off x="43048" y="3041470"/>
+            <a:off x="6576224" y="3328554"/>
             <a:ext cx="4917990" cy="1200329"/>
           </a:xfrm>
           <a:prstGeom prst="rect">
@@ -3378,15 +3383,7 @@
           <a:p>
             <a:r>
               <a:rPr lang="en-CH" dirty="0"/>
-              <a:t>    </a:t>
-            </a:r>
-            <a:r>
-              <a:rPr lang="en-CH" dirty="0">
-                <a:solidFill>
-                  <a:srgbClr val="00B0F0"/>
-                </a:solidFill>
-              </a:rPr>
-              <a:t>invalidateLater(5000)</a:t>
+              <a:t>    invalidateLater(5000)</a:t>
             </a:r>
           </a:p>
           <a:p>
@@ -3400,32 +3397,30 @@
             </a:r>
             <a:r>
               <a:rPr lang="en-CH" dirty="0"/>
-              <a:t>ession</a:t>
-            </a:r>
-            <a:r>
-              <a:rPr lang="en-CH"/>
-              <a:t>$sendCustomMessage</a:t>
+              <a:t>ession$</a:t>
+            </a:r>
+            <a:r>
+              <a:rPr lang="en-CH" b="1" dirty="0"/>
+              <a:t>sendCustomMessage</a:t>
             </a:r>
             <a:r>
               <a:rPr lang="en-CH" dirty="0"/>
               <a:t>(</a:t>
             </a:r>
             <a:r>
+              <a:rPr lang="en-CH" b="1" dirty="0"/>
+              <a:t>type</a:t>
+            </a:r>
+            <a:r>
+              <a:rPr lang="en-CH" dirty="0"/>
+              <a:t>, </a:t>
+            </a:r>
+            <a:r>
               <a:rPr lang="en-CH" b="1" dirty="0">
                 <a:solidFill>
-                  <a:srgbClr val="C00000"/>
-                </a:solidFill>
-              </a:rPr>
-              <a:t>type</a:t>
-            </a:r>
-            <a:r>
-              <a:rPr lang="en-CH" dirty="0"/>
-              <a:t>, </a:t>
-            </a:r>
-            <a:r>
-              <a:rPr lang="en-CH" dirty="0">
-                <a:solidFill>
-                  <a:srgbClr val="00B050"/>
+                  <a:schemeClr val="bg1">
+                    <a:lumMod val="50000"/>
+                  </a:schemeClr>
                 </a:solidFill>
               </a:rPr>
               <a:t>message</a:t>
@@ -3545,7 +3540,7 @@
         </p:nvSpPr>
         <p:spPr>
           <a:xfrm>
-            <a:off x="1874400" y="6128894"/>
+            <a:off x="8392848" y="6076606"/>
             <a:ext cx="2813519" cy="707886"/>
           </a:xfrm>
           <a:prstGeom prst="rect">
@@ -3580,7 +3575,7 @@
         </p:nvSpPr>
         <p:spPr>
           <a:xfrm>
-            <a:off x="8518445" y="6128894"/>
+            <a:off x="1908454" y="6191680"/>
             <a:ext cx="2592128" cy="707886"/>
           </a:xfrm>
           <a:prstGeom prst="rect">
@@ -3617,7 +3612,7 @@
         </p:nvCxnSpPr>
         <p:spPr>
           <a:xfrm>
-            <a:off x="1388255" y="1444225"/>
+            <a:off x="10399251" y="1778568"/>
             <a:ext cx="0" cy="1791231"/>
           </a:xfrm>
           <a:prstGeom prst="straightConnector1">
@@ -3659,8 +3654,8 @@
         </p:nvSpPr>
         <p:spPr>
           <a:xfrm>
-            <a:off x="2502043" y="4816014"/>
-            <a:ext cx="2850589" cy="369332"/>
+            <a:off x="9649304" y="5117730"/>
+            <a:ext cx="1867563" cy="369332"/>
           </a:xfrm>
           <a:prstGeom prst="rect">
             <a:avLst/>
@@ -3673,24 +3668,28 @@
           <a:lstStyle/>
           <a:p>
             <a:r>
-              <a:rPr lang="en-GB" dirty="0">
+              <a:rPr lang="en-GB" b="1" dirty="0">
                 <a:solidFill>
-                  <a:srgbClr val="00B050"/>
+                  <a:schemeClr val="bg1">
+                    <a:lumMod val="50000"/>
+                  </a:schemeClr>
                 </a:solidFill>
               </a:rPr>
               <a:t>m</a:t>
             </a:r>
             <a:r>
-              <a:rPr lang="en-CH" dirty="0">
+              <a:rPr lang="en-CH" b="1" dirty="0">
                 <a:solidFill>
-                  <a:srgbClr val="00B050"/>
+                  <a:schemeClr val="bg1">
+                    <a:lumMod val="50000"/>
+                  </a:schemeClr>
                 </a:solidFill>
               </a:rPr>
-              <a:t>essage</a:t>
+              <a:t>essage </a:t>
             </a:r>
             <a:r>
               <a:rPr lang="en-CH" dirty="0"/>
-              <a:t> &lt;- list(value = …, …)</a:t>
+              <a:t>&lt;- list(…)</a:t>
             </a:r>
           </a:p>
         </p:txBody>
@@ -3710,9 +3709,9 @@
           <p:nvPr/>
         </p:nvCxnSpPr>
         <p:spPr>
-          <a:xfrm flipV="1">
-            <a:off x="4032657" y="3985225"/>
-            <a:ext cx="0" cy="754263"/>
+          <a:xfrm>
+            <a:off x="10583086" y="4254244"/>
+            <a:ext cx="0" cy="839904"/>
           </a:xfrm>
           <a:prstGeom prst="straightConnector1">
             <a:avLst/>
@@ -3753,7 +3752,7 @@
         </p:nvSpPr>
         <p:spPr>
           <a:xfrm>
-            <a:off x="559143" y="1828800"/>
+            <a:off x="9227421" y="2304851"/>
             <a:ext cx="679108" cy="369332"/>
           </a:xfrm>
           <a:prstGeom prst="rect">
@@ -3788,7 +3787,7 @@
         </p:nvSpPr>
         <p:spPr>
           <a:xfrm>
-            <a:off x="8041852" y="1513928"/>
+            <a:off x="2424109" y="2347809"/>
             <a:ext cx="679108" cy="369332"/>
           </a:xfrm>
           <a:prstGeom prst="rect">
@@ -3809,57 +3808,21 @@
           </a:p>
         </p:txBody>
       </p:sp>
-      <p:pic>
-        <p:nvPicPr>
-          <p:cNvPr id="42" name="Graphic 41">
-            <a:extLst>
-              <a:ext uri="{FF2B5EF4-FFF2-40B4-BE49-F238E27FC236}">
-                <a16:creationId xmlns:a16="http://schemas.microsoft.com/office/drawing/2014/main" id="{9C4ECAD7-D2FB-CF4E-8CFB-DF31606F2525}"/>
-              </a:ext>
-            </a:extLst>
-          </p:cNvPr>
-          <p:cNvPicPr>
-            <a:picLocks noChangeAspect="1"/>
-          </p:cNvPicPr>
+      <p:sp>
+        <p:nvSpPr>
+          <p:cNvPr id="43" name="TextBox 42">
+            <a:extLst>
+              <a:ext uri="{FF2B5EF4-FFF2-40B4-BE49-F238E27FC236}">
+                <a16:creationId xmlns:a16="http://schemas.microsoft.com/office/drawing/2014/main" id="{8A6D21B8-2293-3742-8AC8-0724C15A2020}"/>
+              </a:ext>
+            </a:extLst>
+          </p:cNvPr>
+          <p:cNvSpPr txBox="1"/>
           <p:nvPr/>
-        </p:nvPicPr>
-        <p:blipFill>
-          <a:blip r:embed="rId2">
-            <a:extLst>
-              <a:ext uri="{96DAC541-7B7A-43D3-8B79-37D633B846F1}">
-                <asvg:svgBlip xmlns:asvg="http://schemas.microsoft.com/office/drawing/2016/SVG/main" r:embed="rId3"/>
-              </a:ext>
-            </a:extLst>
-          </a:blip>
-          <a:stretch>
-            <a:fillRect/>
-          </a:stretch>
-        </p:blipFill>
+        </p:nvSpPr>
         <p:spPr>
           <a:xfrm>
-            <a:off x="485261" y="233761"/>
-            <a:ext cx="1699260" cy="1028700"/>
-          </a:xfrm>
-          <a:prstGeom prst="rect">
-            <a:avLst/>
-          </a:prstGeom>
-        </p:spPr>
-      </p:pic>
-      <p:sp>
-        <p:nvSpPr>
-          <p:cNvPr id="43" name="TextBox 42">
-            <a:extLst>
-              <a:ext uri="{FF2B5EF4-FFF2-40B4-BE49-F238E27FC236}">
-                <a16:creationId xmlns:a16="http://schemas.microsoft.com/office/drawing/2014/main" id="{8A6D21B8-2293-3742-8AC8-0724C15A2020}"/>
-              </a:ext>
-            </a:extLst>
-          </p:cNvPr>
-          <p:cNvSpPr txBox="1"/>
-          <p:nvPr/>
-        </p:nvSpPr>
-        <p:spPr>
-          <a:xfrm>
-            <a:off x="1768390" y="652516"/>
+            <a:off x="10705588" y="2269417"/>
             <a:ext cx="425862" cy="369332"/>
           </a:xfrm>
           <a:prstGeom prst="rect">
@@ -3874,7 +3837,7 @@
           <a:lstStyle/>
           <a:p>
             <a:r>
-              <a:rPr lang="en-CH" dirty="0"/>
+              <a:rPr lang="en-CH" b="1" dirty="0"/>
               <a:t>5s</a:t>
             </a:r>
           </a:p>
@@ -3894,7 +3857,7 @@
         </p:nvSpPr>
         <p:spPr>
           <a:xfrm>
-            <a:off x="1569307" y="1828800"/>
+            <a:off x="9883005" y="1112294"/>
             <a:ext cx="1699257" cy="646331"/>
           </a:xfrm>
           <a:prstGeom prst="rect">
@@ -3909,19 +3872,11 @@
           <a:lstStyle/>
           <a:p>
             <a:r>
-              <a:rPr lang="en-GB" dirty="0">
-                <a:solidFill>
-                  <a:srgbClr val="00B0F0"/>
-                </a:solidFill>
-              </a:rPr>
+              <a:rPr lang="en-GB" b="1" dirty="0"/>
               <a:t>T</a:t>
             </a:r>
             <a:r>
-              <a:rPr lang="en-CH" dirty="0">
-                <a:solidFill>
-                  <a:srgbClr val="00B0F0"/>
-                </a:solidFill>
-              </a:rPr>
+              <a:rPr lang="en-CH" b="1" dirty="0"/>
               <a:t>riggered periodically</a:t>
             </a:r>
           </a:p>
@@ -3941,7 +3896,7 @@
         </p:nvSpPr>
         <p:spPr>
           <a:xfrm>
-            <a:off x="6320481" y="3092970"/>
+            <a:off x="156518" y="3364355"/>
             <a:ext cx="6096000" cy="923330"/>
           </a:xfrm>
           <a:prstGeom prst="rect">
@@ -3956,24 +3911,30 @@
           <a:p>
             <a:r>
               <a:rPr lang="en-CH" dirty="0"/>
-              <a:t>Shiny.addCustomMessageHandler(’</a:t>
+              <a:t>Shiny.</a:t>
+            </a:r>
+            <a:r>
+              <a:rPr lang="en-CH" b="1" dirty="0"/>
+              <a:t>addCustomMessageHandler</a:t>
+            </a:r>
+            <a:r>
+              <a:rPr lang="en-CH" dirty="0"/>
+              <a:t>(’</a:t>
+            </a:r>
+            <a:r>
+              <a:rPr lang="en-CH" b="1" dirty="0"/>
+              <a:t>type</a:t>
+            </a:r>
+            <a:r>
+              <a:rPr lang="en-CH" dirty="0"/>
+              <a:t>’, function(</a:t>
             </a:r>
             <a:r>
               <a:rPr lang="en-CH" b="1" dirty="0">
                 <a:solidFill>
-                  <a:srgbClr val="C00000"/>
-                </a:solidFill>
-              </a:rPr>
-              <a:t>type</a:t>
-            </a:r>
-            <a:r>
-              <a:rPr lang="en-CH" dirty="0"/>
-              <a:t>’, function(</a:t>
-            </a:r>
-            <a:r>
-              <a:rPr lang="en-CH" dirty="0">
-                <a:solidFill>
-                  <a:srgbClr val="00B050"/>
+                  <a:schemeClr val="bg1">
+                    <a:lumMod val="50000"/>
+                  </a:schemeClr>
                 </a:solidFill>
               </a:rPr>
               <a:t>message</a:t>
@@ -3991,10 +3952,32 @@
             <a:r>
               <a:rPr lang="en-CH" dirty="0">
                 <a:solidFill>
-                  <a:srgbClr val="00B050"/>
+                  <a:schemeClr val="bg1">
+                    <a:lumMod val="50000"/>
+                  </a:schemeClr>
                 </a:solidFill>
               </a:rPr>
-              <a:t>${message} </a:t>
+              <a:t>${</a:t>
+            </a:r>
+            <a:r>
+              <a:rPr lang="en-CH" b="1" dirty="0">
+                <a:solidFill>
+                  <a:schemeClr val="bg1">
+                    <a:lumMod val="50000"/>
+                  </a:schemeClr>
+                </a:solidFill>
+              </a:rPr>
+              <a:t>message</a:t>
+            </a:r>
+            <a:r>
+              <a:rPr lang="en-CH" dirty="0">
+                <a:solidFill>
+                  <a:schemeClr val="bg1">
+                    <a:lumMod val="50000"/>
+                  </a:schemeClr>
+                </a:solidFill>
+              </a:rPr>
+              <a:t>} </a:t>
             </a:r>
             <a:r>
               <a:rPr lang="en-CH" dirty="0"/>
@@ -4120,19 +4103,19 @@
           </p:cNvPr>
           <p:cNvCxnSpPr>
             <a:cxnSpLocks/>
-            <a:stCxn id="54" idx="0"/>
-            <a:endCxn id="55" idx="0"/>
+            <a:stCxn id="5" idx="0"/>
+            <a:endCxn id="48" idx="0"/>
           </p:cNvCxnSpPr>
           <p:nvPr/>
         </p:nvCxnSpPr>
         <p:spPr>
-          <a:xfrm rot="5400000" flipH="1" flipV="1">
-            <a:off x="7523034" y="-603130"/>
-            <a:ext cx="454468" cy="7435222"/>
+          <a:xfrm rot="16200000" flipH="1" flipV="1">
+            <a:off x="6101968" y="431103"/>
+            <a:ext cx="35801" cy="5830701"/>
           </a:xfrm>
           <a:prstGeom prst="bentConnector3">
             <a:avLst>
-              <a:gd name="adj1" fmla="val 261778"/>
+              <a:gd name="adj1" fmla="val -3239088"/>
             </a:avLst>
           </a:prstGeom>
           <a:ln w="63500">
@@ -4182,6 +4165,9 @@
               <a:lumMod val="75000"/>
             </a:schemeClr>
           </a:solidFill>
+          <a:ln>
+            <a:noFill/>
+          </a:ln>
         </p:spPr>
         <p:style>
           <a:lnRef idx="2">
@@ -4204,7 +4190,7 @@
           <a:lstStyle/>
           <a:p>
             <a:pPr algn="ctr"/>
-            <a:endParaRPr lang="en-CH"/>
+            <a:endParaRPr lang="en-CH" dirty="0"/>
           </a:p>
         </p:txBody>
       </p:sp>
@@ -4243,6 +4229,36 @@
           </a:p>
         </p:txBody>
       </p:sp>
+      <p:pic>
+        <p:nvPicPr>
+          <p:cNvPr id="13" name="Picture 12" descr="A picture containing text&#10;&#10;Description automatically generated">
+            <a:extLst>
+              <a:ext uri="{FF2B5EF4-FFF2-40B4-BE49-F238E27FC236}">
+                <a16:creationId xmlns:a16="http://schemas.microsoft.com/office/drawing/2014/main" id="{3951BEBA-4B31-1D41-A43E-28E49AF9B952}"/>
+              </a:ext>
+            </a:extLst>
+          </p:cNvPr>
+          <p:cNvPicPr>
+            <a:picLocks noChangeAspect="1"/>
+          </p:cNvPicPr>
+          <p:nvPr/>
+        </p:nvPicPr>
+        <p:blipFill>
+          <a:blip r:embed="rId2"/>
+          <a:stretch>
+            <a:fillRect/>
+          </a:stretch>
+        </p:blipFill>
+        <p:spPr>
+          <a:xfrm>
+            <a:off x="258417" y="4447121"/>
+            <a:ext cx="5689600" cy="1651000"/>
+          </a:xfrm>
+          <a:prstGeom prst="rect">
+            <a:avLst/>
+          </a:prstGeom>
+        </p:spPr>
+      </p:pic>
     </p:spTree>
     <p:extLst>
       <p:ext uri="{BB962C8B-B14F-4D97-AF65-F5344CB8AC3E}">
